--- a/docs/TechTalkPresentation.pptx
+++ b/docs/TechTalkPresentation.pptx
@@ -10,6 +10,8 @@
     <p:sldId id="311" r:id="rId7"/>
     <p:sldId id="312" r:id="rId8"/>
     <p:sldId id="313" r:id="rId9"/>
+    <p:sldId id="315" r:id="rId10"/>
+    <p:sldId id="316" r:id="rId11"/>
   </p:sldIdLst>
   <p:sldSz cx="12192000" cy="6858000"/>
   <p:notesSz cx="6858000" cy="9144000"/>
@@ -1274,27 +1276,8 @@
               <a:ea typeface="+mn-ea"/>
               <a:cs typeface="+mn-cs"/>
             </a:rPr>
-            <a:t>Git is created by Linus </a:t>
+            <a:t>Git is created by Linus Torvalds</a:t>
           </a:r>
-          <a:r>
-            <a:rPr lang="en-US" dirty="0" err="1">
-              <a:highlight>
-                <a:srgbClr val="808080"/>
-              </a:highlight>
-              <a:latin typeface="Franklin Gothic Book" panose="020F0502020204030204"/>
-              <a:ea typeface="+mn-ea"/>
-              <a:cs typeface="+mn-cs"/>
-            </a:rPr>
-            <a:t>Tovalds</a:t>
-          </a:r>
-          <a:endParaRPr lang="en-US" dirty="0">
-            <a:highlight>
-              <a:srgbClr val="808080"/>
-            </a:highlight>
-            <a:latin typeface="Franklin Gothic Book" panose="020F0502020204030204"/>
-            <a:ea typeface="+mn-ea"/>
-            <a:cs typeface="+mn-cs"/>
-          </a:endParaRPr>
         </a:p>
       </dgm:t>
     </dgm:pt>
@@ -2587,27 +2570,8 @@
               <a:ea typeface="+mn-ea"/>
               <a:cs typeface="+mn-cs"/>
             </a:rPr>
-            <a:t>Git is created by Linus </a:t>
+            <a:t>Git is created by Linus Torvalds</a:t>
           </a:r>
-          <a:r>
-            <a:rPr lang="en-US" sz="1200" kern="1200" dirty="0" err="1">
-              <a:highlight>
-                <a:srgbClr val="808080"/>
-              </a:highlight>
-              <a:latin typeface="Franklin Gothic Book" panose="020F0502020204030204"/>
-              <a:ea typeface="+mn-ea"/>
-              <a:cs typeface="+mn-cs"/>
-            </a:rPr>
-            <a:t>Tovalds</a:t>
-          </a:r>
-          <a:endParaRPr lang="en-US" sz="1200" kern="1200" dirty="0">
-            <a:highlight>
-              <a:srgbClr val="808080"/>
-            </a:highlight>
-            <a:latin typeface="Franklin Gothic Book" panose="020F0502020204030204"/>
-            <a:ea typeface="+mn-ea"/>
-            <a:cs typeface="+mn-cs"/>
-          </a:endParaRPr>
         </a:p>
       </dsp:txBody>
       <dsp:txXfrm>
@@ -4569,7 +4533,7 @@
           <a:p>
             <a:fld id="{9184DA70-C731-4C70-880D-CCD4705E623C}" type="datetime1">
               <a:rPr lang="en-US" smtClean="0"/>
-              <a:t>11/16/2020</a:t>
+              <a:t>11/17/2020</a:t>
             </a:fld>
             <a:endParaRPr lang="en-US" dirty="0"/>
           </a:p>
@@ -4757,7 +4721,7 @@
           <a:p>
             <a:fld id="{4BE1D723-8F53-4F53-90B0-1982A396982E}" type="datetime1">
               <a:rPr lang="en-US" smtClean="0"/>
-              <a:t>11/16/2020</a:t>
+              <a:t>11/17/2020</a:t>
             </a:fld>
             <a:endParaRPr lang="en-US" dirty="0"/>
           </a:p>
@@ -5130,7 +5094,7 @@
           <a:p>
             <a:fld id="{97669AF7-7BEB-44E4-9852-375E34362B5B}" type="datetime1">
               <a:rPr lang="en-US" smtClean="0"/>
-              <a:t>11/16/2020</a:t>
+              <a:t>11/17/2020</a:t>
             </a:fld>
             <a:endParaRPr lang="en-US" dirty="0"/>
           </a:p>
@@ -5385,7 +5349,7 @@
           <a:p>
             <a:fld id="{BAAAC38D-0552-4C82-B593-E6124DFADBE2}" type="datetime1">
               <a:rPr lang="en-US" smtClean="0"/>
-              <a:t>11/16/2020</a:t>
+              <a:t>11/17/2020</a:t>
             </a:fld>
             <a:endParaRPr lang="en-US" dirty="0"/>
           </a:p>
@@ -5782,7 +5746,7 @@
           <a:p>
             <a:fld id="{D9DF0F1C-5577-4ACB-BB62-DF8F3C494C7E}" type="datetime1">
               <a:rPr lang="en-US" smtClean="0"/>
-              <a:t>11/16/2020</a:t>
+              <a:t>11/17/2020</a:t>
             </a:fld>
             <a:endParaRPr lang="en-US" dirty="0"/>
           </a:p>
@@ -5918,7 +5882,7 @@
           <a:p>
             <a:fld id="{1775B394-D9F9-4F0C-B15D-605F45CB9E9F}" type="datetime1">
               <a:rPr lang="en-US" smtClean="0"/>
-              <a:t>11/16/2020</a:t>
+              <a:t>11/17/2020</a:t>
             </a:fld>
             <a:endParaRPr lang="en-US" dirty="0"/>
           </a:p>
@@ -6075,7 +6039,7 @@
           <a:p>
             <a:fld id="{39667345-2558-425A-8533-9BFDBCE15005}" type="datetime1">
               <a:rPr lang="en-US" smtClean="0"/>
-              <a:t>11/16/2020</a:t>
+              <a:t>11/17/2020</a:t>
             </a:fld>
             <a:endParaRPr lang="en-US" dirty="0"/>
           </a:p>
@@ -6404,7 +6368,7 @@
           <a:p>
             <a:fld id="{92BEA474-078D-4E9B-9B14-09A87B19DC46}" type="datetime1">
               <a:rPr lang="en-US" smtClean="0"/>
-              <a:t>11/16/2020</a:t>
+              <a:t>11/17/2020</a:t>
             </a:fld>
             <a:endParaRPr lang="en-US" dirty="0"/>
           </a:p>
@@ -6754,7 +6718,7 @@
           <a:p>
             <a:fld id="{4907D986-8816-4272-A432-0437A28A9828}" type="datetime1">
               <a:rPr lang="en-US" smtClean="0"/>
-              <a:t>11/16/2020</a:t>
+              <a:t>11/17/2020</a:t>
             </a:fld>
             <a:endParaRPr lang="en-US" dirty="0"/>
           </a:p>
@@ -7015,7 +6979,7 @@
           <a:p>
             <a:fld id="{62D6E202-B606-4609-B914-27C9371A1F6D}" type="datetime1">
               <a:rPr lang="en-US" smtClean="0"/>
-              <a:t>11/16/2020</a:t>
+              <a:t>11/17/2020</a:t>
             </a:fld>
             <a:endParaRPr lang="en-US" dirty="0"/>
           </a:p>
@@ -7830,7 +7794,7 @@
           <p:nvPr>
             <p:extLst>
               <p:ext uri="{D42A27DB-BD31-4B8C-83A1-F6EECF244321}">
-                <p14:modId xmlns:p14="http://schemas.microsoft.com/office/powerpoint/2010/main" val="1593451663"/>
+                <p14:modId xmlns:p14="http://schemas.microsoft.com/office/powerpoint/2010/main" val="569163716"/>
               </p:ext>
             </p:extLst>
           </p:nvPr>
@@ -9883,6 +9847,831 @@
     <p:extLst>
       <p:ext uri="{BB962C8B-B14F-4D97-AF65-F5344CB8AC3E}">
         <p14:creationId xmlns:p14="http://schemas.microsoft.com/office/powerpoint/2010/main" val="3684449726"/>
+      </p:ext>
+    </p:extLst>
+  </p:cSld>
+  <p:clrMapOvr>
+    <a:masterClrMapping/>
+  </p:clrMapOvr>
+</p:sld>
+</file>
+
+<file path=ppt/slides/slide6.xml><?xml version="1.0" encoding="utf-8"?>
+<p:sld xmlns:a="http://schemas.openxmlformats.org/drawingml/2006/main" xmlns:r="http://schemas.openxmlformats.org/officeDocument/2006/relationships" xmlns:p="http://schemas.openxmlformats.org/presentationml/2006/main">
+  <p:cSld>
+    <p:spTree>
+      <p:nvGrpSpPr>
+        <p:cNvPr id="1" name=""/>
+        <p:cNvGrpSpPr/>
+        <p:nvPr/>
+      </p:nvGrpSpPr>
+      <p:grpSpPr>
+        <a:xfrm>
+          <a:off x="0" y="0"/>
+          <a:ext cx="0" cy="0"/>
+          <a:chOff x="0" y="0"/>
+          <a:chExt cx="0" cy="0"/>
+        </a:xfrm>
+      </p:grpSpPr>
+      <p:sp>
+        <p:nvSpPr>
+          <p:cNvPr id="2" name="Title 1">
+            <a:extLst>
+              <a:ext uri="{FF2B5EF4-FFF2-40B4-BE49-F238E27FC236}">
+                <a16:creationId xmlns:a16="http://schemas.microsoft.com/office/drawing/2014/main" id="{42CB9BDE-827F-46FD-A31F-47398C213840}"/>
+              </a:ext>
+            </a:extLst>
+          </p:cNvPr>
+          <p:cNvSpPr>
+            <a:spLocks noGrp="1"/>
+          </p:cNvSpPr>
+          <p:nvPr>
+            <p:ph type="title"/>
+          </p:nvPr>
+        </p:nvSpPr>
+        <p:spPr/>
+        <p:txBody>
+          <a:bodyPr/>
+          <a:lstStyle/>
+          <a:p>
+            <a:r>
+              <a:rPr lang="en-US" b="1" dirty="0">
+                <a:solidFill>
+                  <a:schemeClr val="tx1"/>
+                </a:solidFill>
+                <a:latin typeface="Linux Libertine"/>
+              </a:rPr>
+              <a:t>Third Generation:</a:t>
+            </a:r>
+            <a:br>
+              <a:rPr lang="en-US" dirty="0">
+                <a:solidFill>
+                  <a:schemeClr val="tx1"/>
+                </a:solidFill>
+                <a:latin typeface="Linux Libertine"/>
+              </a:rPr>
+            </a:br>
+            <a:r>
+              <a:rPr lang="en-US" dirty="0">
+                <a:solidFill>
+                  <a:schemeClr val="tx1"/>
+                </a:solidFill>
+                <a:latin typeface="Linux Libertine"/>
+              </a:rPr>
+              <a:t>1. Git</a:t>
+            </a:r>
+          </a:p>
+        </p:txBody>
+      </p:sp>
+      <p:sp>
+        <p:nvSpPr>
+          <p:cNvPr id="3" name="Text Placeholder 2">
+            <a:extLst>
+              <a:ext uri="{FF2B5EF4-FFF2-40B4-BE49-F238E27FC236}">
+                <a16:creationId xmlns:a16="http://schemas.microsoft.com/office/drawing/2014/main" id="{A4705C9C-7BC3-462E-A17B-0A019FBDD62D}"/>
+              </a:ext>
+            </a:extLst>
+          </p:cNvPr>
+          <p:cNvSpPr>
+            <a:spLocks noGrp="1"/>
+          </p:cNvSpPr>
+          <p:nvPr>
+            <p:ph type="body" idx="1"/>
+          </p:nvPr>
+        </p:nvSpPr>
+        <p:spPr>
+          <a:xfrm>
+            <a:off x="1097280" y="1894822"/>
+            <a:ext cx="10244488" cy="537661"/>
+          </a:xfrm>
+        </p:spPr>
+        <p:txBody>
+          <a:bodyPr/>
+          <a:lstStyle/>
+          <a:p>
+            <a:r>
+              <a:rPr lang="en-US" dirty="0"/>
+              <a:t>The Big 5						The Essential two</a:t>
+            </a:r>
+          </a:p>
+        </p:txBody>
+      </p:sp>
+      <p:sp>
+        <p:nvSpPr>
+          <p:cNvPr id="4" name="Content Placeholder 3">
+            <a:extLst>
+              <a:ext uri="{FF2B5EF4-FFF2-40B4-BE49-F238E27FC236}">
+                <a16:creationId xmlns:a16="http://schemas.microsoft.com/office/drawing/2014/main" id="{3BA04EB2-9F2E-4EB5-A6BA-7CA2D069C390}"/>
+              </a:ext>
+            </a:extLst>
+          </p:cNvPr>
+          <p:cNvSpPr>
+            <a:spLocks noGrp="1"/>
+          </p:cNvSpPr>
+          <p:nvPr>
+            <p:ph sz="half" idx="2"/>
+          </p:nvPr>
+        </p:nvSpPr>
+        <p:spPr>
+          <a:xfrm>
+            <a:off x="1029129" y="2684412"/>
+            <a:ext cx="5066872" cy="2974708"/>
+          </a:xfrm>
+        </p:spPr>
+        <p:txBody>
+          <a:bodyPr>
+            <a:normAutofit/>
+          </a:bodyPr>
+          <a:lstStyle/>
+          <a:p>
+            <a:pPr>
+              <a:lnSpc>
+                <a:spcPct val="100000"/>
+              </a:lnSpc>
+              <a:spcBef>
+                <a:spcPts val="600"/>
+              </a:spcBef>
+              <a:spcAft>
+                <a:spcPts val="0"/>
+              </a:spcAft>
+              <a:buFont typeface="Arial" panose="020B0604020202020204" pitchFamily="34" charset="0"/>
+              <a:buChar char="•"/>
+            </a:pPr>
+            <a:r>
+              <a:rPr lang="en-US" b="1" dirty="0">
+                <a:solidFill>
+                  <a:schemeClr val="tx1"/>
+                </a:solidFill>
+              </a:rPr>
+              <a:t>Clone: </a:t>
+            </a:r>
+            <a:r>
+              <a:rPr lang="en-US" dirty="0">
+                <a:solidFill>
+                  <a:schemeClr val="tx1"/>
+                </a:solidFill>
+              </a:rPr>
+              <a:t>Copy the entire source code repo locally.</a:t>
+            </a:r>
+          </a:p>
+          <a:p>
+            <a:pPr>
+              <a:lnSpc>
+                <a:spcPct val="100000"/>
+              </a:lnSpc>
+              <a:spcBef>
+                <a:spcPts val="600"/>
+              </a:spcBef>
+              <a:spcAft>
+                <a:spcPts val="0"/>
+              </a:spcAft>
+              <a:buFont typeface="Arial" panose="020B0604020202020204" pitchFamily="34" charset="0"/>
+              <a:buChar char="•"/>
+            </a:pPr>
+            <a:r>
+              <a:rPr lang="en-US" b="1" dirty="0">
+                <a:solidFill>
+                  <a:schemeClr val="tx1"/>
+                </a:solidFill>
+              </a:rPr>
+              <a:t>Pull:</a:t>
+            </a:r>
+            <a:r>
+              <a:rPr lang="en-US" dirty="0">
+                <a:solidFill>
+                  <a:schemeClr val="tx1"/>
+                </a:solidFill>
+              </a:rPr>
+              <a:t> Fetches change from remote server and merges with local copy.</a:t>
+            </a:r>
+          </a:p>
+          <a:p>
+            <a:pPr>
+              <a:lnSpc>
+                <a:spcPct val="100000"/>
+              </a:lnSpc>
+              <a:spcBef>
+                <a:spcPts val="600"/>
+              </a:spcBef>
+              <a:spcAft>
+                <a:spcPts val="0"/>
+              </a:spcAft>
+              <a:buFont typeface="Arial" panose="020B0604020202020204" pitchFamily="34" charset="0"/>
+              <a:buChar char="•"/>
+            </a:pPr>
+            <a:r>
+              <a:rPr lang="en-US" b="1" dirty="0">
+                <a:solidFill>
+                  <a:schemeClr val="tx1"/>
+                </a:solidFill>
+              </a:rPr>
+              <a:t>Push: </a:t>
+            </a:r>
+            <a:r>
+              <a:rPr lang="en-US" dirty="0">
+                <a:solidFill>
+                  <a:schemeClr val="tx1"/>
+                </a:solidFill>
+              </a:rPr>
+              <a:t>Publish changes to remote server.</a:t>
+            </a:r>
+          </a:p>
+          <a:p>
+            <a:pPr>
+              <a:lnSpc>
+                <a:spcPct val="100000"/>
+              </a:lnSpc>
+              <a:spcBef>
+                <a:spcPts val="600"/>
+              </a:spcBef>
+              <a:spcAft>
+                <a:spcPts val="0"/>
+              </a:spcAft>
+              <a:buFont typeface="Arial" panose="020B0604020202020204" pitchFamily="34" charset="0"/>
+              <a:buChar char="•"/>
+            </a:pPr>
+            <a:r>
+              <a:rPr lang="en-US" b="1" dirty="0">
+                <a:solidFill>
+                  <a:schemeClr val="tx1"/>
+                </a:solidFill>
+              </a:rPr>
+              <a:t>Add: </a:t>
+            </a:r>
+            <a:r>
+              <a:rPr lang="en-US" dirty="0">
+                <a:solidFill>
+                  <a:schemeClr val="tx1"/>
+                </a:solidFill>
+              </a:rPr>
+              <a:t>Adds files to the staging area.</a:t>
+            </a:r>
+          </a:p>
+          <a:p>
+            <a:pPr>
+              <a:lnSpc>
+                <a:spcPct val="100000"/>
+              </a:lnSpc>
+              <a:spcBef>
+                <a:spcPts val="600"/>
+              </a:spcBef>
+              <a:spcAft>
+                <a:spcPts val="0"/>
+              </a:spcAft>
+              <a:buFont typeface="Arial" panose="020B0604020202020204" pitchFamily="34" charset="0"/>
+              <a:buChar char="•"/>
+            </a:pPr>
+            <a:r>
+              <a:rPr lang="en-US" b="1" dirty="0">
+                <a:solidFill>
+                  <a:schemeClr val="tx1"/>
+                </a:solidFill>
+              </a:rPr>
+              <a:t>Commit</a:t>
+            </a:r>
+            <a:r>
+              <a:rPr lang="en-US" dirty="0">
+                <a:solidFill>
+                  <a:schemeClr val="tx1"/>
+                </a:solidFill>
+              </a:rPr>
+              <a:t>: Record changes to Git Repo.</a:t>
+            </a:r>
+          </a:p>
+          <a:p>
+            <a:endParaRPr lang="en-US" dirty="0">
+              <a:solidFill>
+                <a:schemeClr val="tx1"/>
+              </a:solidFill>
+            </a:endParaRPr>
+          </a:p>
+        </p:txBody>
+      </p:sp>
+      <p:sp>
+        <p:nvSpPr>
+          <p:cNvPr id="5" name="Text Placeholder 4">
+            <a:extLst>
+              <a:ext uri="{FF2B5EF4-FFF2-40B4-BE49-F238E27FC236}">
+                <a16:creationId xmlns:a16="http://schemas.microsoft.com/office/drawing/2014/main" id="{718470FE-85E9-4CF6-ABDF-D06EE63202A6}"/>
+              </a:ext>
+            </a:extLst>
+          </p:cNvPr>
+          <p:cNvSpPr>
+            <a:spLocks noGrp="1"/>
+          </p:cNvSpPr>
+          <p:nvPr>
+            <p:ph type="body" sz="quarter" idx="3"/>
+          </p:nvPr>
+        </p:nvSpPr>
+        <p:spPr>
+          <a:xfrm>
+            <a:off x="6923184" y="2432483"/>
+            <a:ext cx="5053019" cy="1981200"/>
+          </a:xfrm>
+        </p:spPr>
+        <p:txBody>
+          <a:bodyPr>
+            <a:normAutofit/>
+          </a:bodyPr>
+          <a:lstStyle/>
+          <a:p>
+            <a:pPr marL="173038" indent="-173038">
+              <a:lnSpc>
+                <a:spcPct val="100000"/>
+              </a:lnSpc>
+              <a:spcBef>
+                <a:spcPts val="600"/>
+              </a:spcBef>
+              <a:spcAft>
+                <a:spcPts val="0"/>
+              </a:spcAft>
+              <a:buFont typeface="Arial" panose="020B0604020202020204" pitchFamily="34" charset="0"/>
+              <a:buChar char="•"/>
+            </a:pPr>
+            <a:r>
+              <a:rPr lang="en-US" sz="1900" b="1" cap="none" dirty="0"/>
+              <a:t>Status: </a:t>
+            </a:r>
+            <a:r>
+              <a:rPr lang="en-US" sz="1900" cap="none" dirty="0"/>
+              <a:t>Tells you the status of current working tree.</a:t>
+            </a:r>
+            <a:endParaRPr lang="en-US" sz="1900" b="1" cap="none" dirty="0"/>
+          </a:p>
+          <a:p>
+            <a:pPr marL="173038" indent="-173038">
+              <a:lnSpc>
+                <a:spcPct val="100000"/>
+              </a:lnSpc>
+              <a:spcBef>
+                <a:spcPts val="600"/>
+              </a:spcBef>
+              <a:spcAft>
+                <a:spcPts val="0"/>
+              </a:spcAft>
+              <a:buFont typeface="Arial" panose="020B0604020202020204" pitchFamily="34" charset="0"/>
+              <a:buChar char="•"/>
+            </a:pPr>
+            <a:r>
+              <a:rPr lang="en-US" sz="1900" b="1" cap="none" dirty="0"/>
+              <a:t>Log: </a:t>
+            </a:r>
+            <a:r>
+              <a:rPr lang="en-US" sz="1900" cap="none" dirty="0"/>
+              <a:t>Prints a history(log) of all commits in a repo.</a:t>
+            </a:r>
+            <a:endParaRPr lang="en-US" sz="1900" b="1" cap="none" dirty="0"/>
+          </a:p>
+        </p:txBody>
+      </p:sp>
+      <p:pic>
+        <p:nvPicPr>
+          <p:cNvPr id="1026" name="Picture 2" descr="Git">
+            <a:extLst>
+              <a:ext uri="{FF2B5EF4-FFF2-40B4-BE49-F238E27FC236}">
+                <a16:creationId xmlns:a16="http://schemas.microsoft.com/office/drawing/2014/main" id="{C931B10F-6BD9-4B4D-AB23-D9A4A00555F8}"/>
+              </a:ext>
+            </a:extLst>
+          </p:cNvPr>
+          <p:cNvPicPr>
+            <a:picLocks noGrp="1" noChangeAspect="1" noChangeArrowheads="1"/>
+          </p:cNvPicPr>
+          <p:nvPr>
+            <p:ph sz="quarter" idx="4"/>
+          </p:nvPr>
+        </p:nvPicPr>
+        <p:blipFill>
+          <a:blip r:embed="rId2">
+            <a:extLst>
+              <a:ext uri="{28A0092B-C50C-407E-A947-70E740481C1C}">
+                <a14:useLocalDpi xmlns:a14="http://schemas.microsoft.com/office/drawing/2010/main" val="0"/>
+              </a:ext>
+            </a:extLst>
+          </a:blip>
+          <a:srcRect/>
+          <a:stretch>
+            <a:fillRect/>
+          </a:stretch>
+        </p:blipFill>
+        <p:spPr bwMode="auto">
+          <a:xfrm>
+            <a:off x="7868486" y="4672629"/>
+            <a:ext cx="2095500" cy="876300"/>
+          </a:xfrm>
+          <a:prstGeom prst="rect">
+            <a:avLst/>
+          </a:prstGeom>
+          <a:noFill/>
+          <a:extLst>
+            <a:ext uri="{909E8E84-426E-40DD-AFC4-6F175D3DCCD1}">
+              <a14:hiddenFill xmlns:a14="http://schemas.microsoft.com/office/drawing/2010/main">
+                <a:solidFill>
+                  <a:srgbClr val="FFFFFF"/>
+                </a:solidFill>
+              </a14:hiddenFill>
+            </a:ext>
+          </a:extLst>
+        </p:spPr>
+      </p:pic>
+    </p:spTree>
+    <p:extLst>
+      <p:ext uri="{BB962C8B-B14F-4D97-AF65-F5344CB8AC3E}">
+        <p14:creationId xmlns:p14="http://schemas.microsoft.com/office/powerpoint/2010/main" val="63270089"/>
+      </p:ext>
+    </p:extLst>
+  </p:cSld>
+  <p:clrMapOvr>
+    <a:masterClrMapping/>
+  </p:clrMapOvr>
+</p:sld>
+</file>
+
+<file path=ppt/slides/slide7.xml><?xml version="1.0" encoding="utf-8"?>
+<p:sld xmlns:a="http://schemas.openxmlformats.org/drawingml/2006/main" xmlns:r="http://schemas.openxmlformats.org/officeDocument/2006/relationships" xmlns:p="http://schemas.openxmlformats.org/presentationml/2006/main">
+  <p:cSld>
+    <p:spTree>
+      <p:nvGrpSpPr>
+        <p:cNvPr id="1" name=""/>
+        <p:cNvGrpSpPr/>
+        <p:nvPr/>
+      </p:nvGrpSpPr>
+      <p:grpSpPr>
+        <a:xfrm>
+          <a:off x="0" y="0"/>
+          <a:ext cx="0" cy="0"/>
+          <a:chOff x="0" y="0"/>
+          <a:chExt cx="0" cy="0"/>
+        </a:xfrm>
+      </p:grpSpPr>
+      <p:sp>
+        <p:nvSpPr>
+          <p:cNvPr id="2" name="Title 1">
+            <a:extLst>
+              <a:ext uri="{FF2B5EF4-FFF2-40B4-BE49-F238E27FC236}">
+                <a16:creationId xmlns:a16="http://schemas.microsoft.com/office/drawing/2014/main" id="{42CB9BDE-827F-46FD-A31F-47398C213840}"/>
+              </a:ext>
+            </a:extLst>
+          </p:cNvPr>
+          <p:cNvSpPr>
+            <a:spLocks noGrp="1"/>
+          </p:cNvSpPr>
+          <p:nvPr>
+            <p:ph type="title"/>
+          </p:nvPr>
+        </p:nvSpPr>
+        <p:spPr/>
+        <p:txBody>
+          <a:bodyPr/>
+          <a:lstStyle/>
+          <a:p>
+            <a:r>
+              <a:rPr lang="en-US" b="1" dirty="0">
+                <a:solidFill>
+                  <a:schemeClr val="tx1"/>
+                </a:solidFill>
+                <a:latin typeface="Linux Libertine"/>
+              </a:rPr>
+              <a:t>Third Generation:</a:t>
+            </a:r>
+            <a:br>
+              <a:rPr lang="en-US" dirty="0">
+                <a:solidFill>
+                  <a:schemeClr val="tx1"/>
+                </a:solidFill>
+                <a:latin typeface="Linux Libertine"/>
+              </a:rPr>
+            </a:br>
+            <a:r>
+              <a:rPr lang="en-US" dirty="0">
+                <a:solidFill>
+                  <a:schemeClr val="tx1"/>
+                </a:solidFill>
+                <a:latin typeface="Linux Libertine"/>
+              </a:rPr>
+              <a:t>1. Mercurial</a:t>
+            </a:r>
+          </a:p>
+        </p:txBody>
+      </p:sp>
+      <p:sp>
+        <p:nvSpPr>
+          <p:cNvPr id="3" name="Text Placeholder 2">
+            <a:extLst>
+              <a:ext uri="{FF2B5EF4-FFF2-40B4-BE49-F238E27FC236}">
+                <a16:creationId xmlns:a16="http://schemas.microsoft.com/office/drawing/2014/main" id="{A4705C9C-7BC3-462E-A17B-0A019FBDD62D}"/>
+              </a:ext>
+            </a:extLst>
+          </p:cNvPr>
+          <p:cNvSpPr>
+            <a:spLocks noGrp="1"/>
+          </p:cNvSpPr>
+          <p:nvPr>
+            <p:ph type="body" idx="1"/>
+          </p:nvPr>
+        </p:nvSpPr>
+        <p:spPr>
+          <a:xfrm>
+            <a:off x="1097280" y="1894822"/>
+            <a:ext cx="10244488" cy="537661"/>
+          </a:xfrm>
+        </p:spPr>
+        <p:txBody>
+          <a:bodyPr/>
+          <a:lstStyle/>
+          <a:p>
+            <a:r>
+              <a:rPr lang="en-US" dirty="0"/>
+              <a:t>Difference from git visualized</a:t>
+            </a:r>
+          </a:p>
+        </p:txBody>
+      </p:sp>
+      <p:sp>
+        <p:nvSpPr>
+          <p:cNvPr id="4" name="Content Placeholder 3">
+            <a:extLst>
+              <a:ext uri="{FF2B5EF4-FFF2-40B4-BE49-F238E27FC236}">
+                <a16:creationId xmlns:a16="http://schemas.microsoft.com/office/drawing/2014/main" id="{3BA04EB2-9F2E-4EB5-A6BA-7CA2D069C390}"/>
+              </a:ext>
+            </a:extLst>
+          </p:cNvPr>
+          <p:cNvSpPr>
+            <a:spLocks noGrp="1"/>
+          </p:cNvSpPr>
+          <p:nvPr>
+            <p:ph sz="half" idx="2"/>
+          </p:nvPr>
+        </p:nvSpPr>
+        <p:spPr>
+          <a:xfrm>
+            <a:off x="1029129" y="2684412"/>
+            <a:ext cx="5066872" cy="2974708"/>
+          </a:xfrm>
+        </p:spPr>
+        <p:txBody>
+          <a:bodyPr>
+            <a:normAutofit/>
+          </a:bodyPr>
+          <a:lstStyle/>
+          <a:p>
+            <a:r>
+              <a:rPr lang="en-US" dirty="0">
+                <a:solidFill>
+                  <a:schemeClr val="tx1"/>
+                </a:solidFill>
+              </a:rPr>
+              <a:t>GIT: </a:t>
+            </a:r>
+          </a:p>
+        </p:txBody>
+      </p:sp>
+      <p:sp>
+        <p:nvSpPr>
+          <p:cNvPr id="5" name="Text Placeholder 4">
+            <a:extLst>
+              <a:ext uri="{FF2B5EF4-FFF2-40B4-BE49-F238E27FC236}">
+                <a16:creationId xmlns:a16="http://schemas.microsoft.com/office/drawing/2014/main" id="{718470FE-85E9-4CF6-ABDF-D06EE63202A6}"/>
+              </a:ext>
+            </a:extLst>
+          </p:cNvPr>
+          <p:cNvSpPr>
+            <a:spLocks noGrp="1"/>
+          </p:cNvSpPr>
+          <p:nvPr>
+            <p:ph type="body" sz="quarter" idx="3"/>
+          </p:nvPr>
+        </p:nvSpPr>
+        <p:spPr>
+          <a:xfrm>
+            <a:off x="6958335" y="2589945"/>
+            <a:ext cx="5053019" cy="1981200"/>
+          </a:xfrm>
+        </p:spPr>
+        <p:txBody>
+          <a:bodyPr>
+            <a:normAutofit/>
+          </a:bodyPr>
+          <a:lstStyle/>
+          <a:p>
+            <a:pPr>
+              <a:lnSpc>
+                <a:spcPct val="100000"/>
+              </a:lnSpc>
+              <a:spcBef>
+                <a:spcPts val="600"/>
+              </a:spcBef>
+              <a:spcAft>
+                <a:spcPts val="0"/>
+              </a:spcAft>
+            </a:pPr>
+            <a:r>
+              <a:rPr lang="en-US" sz="1900" b="1" cap="none" dirty="0"/>
+              <a:t> </a:t>
+            </a:r>
+          </a:p>
+          <a:p>
+            <a:pPr>
+              <a:lnSpc>
+                <a:spcPct val="100000"/>
+              </a:lnSpc>
+              <a:spcBef>
+                <a:spcPts val="600"/>
+              </a:spcBef>
+              <a:spcAft>
+                <a:spcPts val="0"/>
+              </a:spcAft>
+            </a:pPr>
+            <a:endParaRPr lang="en-US" sz="1900" b="1" cap="none" dirty="0"/>
+          </a:p>
+        </p:txBody>
+      </p:sp>
+      <p:sp>
+        <p:nvSpPr>
+          <p:cNvPr id="6" name="Content Placeholder 5">
+            <a:extLst>
+              <a:ext uri="{FF2B5EF4-FFF2-40B4-BE49-F238E27FC236}">
+                <a16:creationId xmlns:a16="http://schemas.microsoft.com/office/drawing/2014/main" id="{220DB65F-5807-42BF-B019-7FCEAE002029}"/>
+              </a:ext>
+            </a:extLst>
+          </p:cNvPr>
+          <p:cNvSpPr>
+            <a:spLocks noGrp="1"/>
+          </p:cNvSpPr>
+          <p:nvPr>
+            <p:ph sz="quarter" idx="4"/>
+          </p:nvPr>
+        </p:nvSpPr>
+        <p:spPr>
+          <a:xfrm>
+            <a:off x="6515944" y="2651756"/>
+            <a:ext cx="4639736" cy="2910821"/>
+          </a:xfrm>
+        </p:spPr>
+        <p:txBody>
+          <a:bodyPr/>
+          <a:lstStyle/>
+          <a:p>
+            <a:pPr marL="0" indent="0">
+              <a:buNone/>
+            </a:pPr>
+            <a:r>
+              <a:rPr lang="en-US" dirty="0"/>
+              <a:t>Mercurial: </a:t>
+            </a:r>
+          </a:p>
+          <a:p>
+            <a:pPr marL="0" indent="0">
+              <a:buNone/>
+            </a:pPr>
+            <a:endParaRPr lang="en-US" dirty="0"/>
+          </a:p>
+        </p:txBody>
+      </p:sp>
+      <p:pic>
+        <p:nvPicPr>
+          <p:cNvPr id="2050" name="Picture 2">
+            <a:extLst>
+              <a:ext uri="{FF2B5EF4-FFF2-40B4-BE49-F238E27FC236}">
+                <a16:creationId xmlns:a16="http://schemas.microsoft.com/office/drawing/2014/main" id="{A6B3E171-C4BC-442C-809B-12F7ABB8509D}"/>
+              </a:ext>
+            </a:extLst>
+          </p:cNvPr>
+          <p:cNvPicPr>
+            <a:picLocks noChangeAspect="1" noChangeArrowheads="1"/>
+          </p:cNvPicPr>
+          <p:nvPr/>
+        </p:nvPicPr>
+        <p:blipFill>
+          <a:blip r:embed="rId2">
+            <a:extLst>
+              <a:ext uri="{28A0092B-C50C-407E-A947-70E740481C1C}">
+                <a14:useLocalDpi xmlns:a14="http://schemas.microsoft.com/office/drawing/2010/main" val="0"/>
+              </a:ext>
+            </a:extLst>
+          </a:blip>
+          <a:srcRect/>
+          <a:stretch>
+            <a:fillRect/>
+          </a:stretch>
+        </p:blipFill>
+        <p:spPr bwMode="auto">
+          <a:xfrm>
+            <a:off x="8327477" y="504434"/>
+            <a:ext cx="1016669" cy="1220003"/>
+          </a:xfrm>
+          <a:prstGeom prst="rect">
+            <a:avLst/>
+          </a:prstGeom>
+          <a:noFill/>
+          <a:extLst>
+            <a:ext uri="{909E8E84-426E-40DD-AFC4-6F175D3DCCD1}">
+              <a14:hiddenFill xmlns:a14="http://schemas.microsoft.com/office/drawing/2010/main">
+                <a:solidFill>
+                  <a:srgbClr val="FFFFFF"/>
+                </a:solidFill>
+              </a14:hiddenFill>
+            </a:ext>
+          </a:extLst>
+        </p:spPr>
+      </p:pic>
+      <p:pic>
+        <p:nvPicPr>
+          <p:cNvPr id="2054" name="Picture 6">
+            <a:extLst>
+              <a:ext uri="{FF2B5EF4-FFF2-40B4-BE49-F238E27FC236}">
+                <a16:creationId xmlns:a16="http://schemas.microsoft.com/office/drawing/2014/main" id="{B278A3D4-CC5D-4A89-AEBB-4F8AF60916F2}"/>
+              </a:ext>
+            </a:extLst>
+          </p:cNvPr>
+          <p:cNvPicPr>
+            <a:picLocks noChangeAspect="1" noChangeArrowheads="1"/>
+          </p:cNvPicPr>
+          <p:nvPr/>
+        </p:nvPicPr>
+        <p:blipFill>
+          <a:blip r:embed="rId3">
+            <a:extLst>
+              <a:ext uri="{28A0092B-C50C-407E-A947-70E740481C1C}">
+                <a14:useLocalDpi xmlns:a14="http://schemas.microsoft.com/office/drawing/2010/main" val="0"/>
+              </a:ext>
+            </a:extLst>
+          </a:blip>
+          <a:srcRect/>
+          <a:stretch>
+            <a:fillRect/>
+          </a:stretch>
+        </p:blipFill>
+        <p:spPr bwMode="auto">
+          <a:xfrm>
+            <a:off x="1675140" y="2602868"/>
+            <a:ext cx="4637184" cy="3477888"/>
+          </a:xfrm>
+          <a:prstGeom prst="rect">
+            <a:avLst/>
+          </a:prstGeom>
+          <a:noFill/>
+          <a:extLst>
+            <a:ext uri="{909E8E84-426E-40DD-AFC4-6F175D3DCCD1}">
+              <a14:hiddenFill xmlns:a14="http://schemas.microsoft.com/office/drawing/2010/main">
+                <a:solidFill>
+                  <a:srgbClr val="FFFFFF"/>
+                </a:solidFill>
+              </a14:hiddenFill>
+            </a:ext>
+          </a:extLst>
+        </p:spPr>
+      </p:pic>
+      <p:pic>
+        <p:nvPicPr>
+          <p:cNvPr id="2056" name="Picture 8" descr="Answers and Questions » Blog Archive » VCS Migration: The Hare and the  Tortoise">
+            <a:extLst>
+              <a:ext uri="{FF2B5EF4-FFF2-40B4-BE49-F238E27FC236}">
+                <a16:creationId xmlns:a16="http://schemas.microsoft.com/office/drawing/2014/main" id="{F4B5B9BD-5D6A-45EC-88F9-BD1D33E8D93C}"/>
+              </a:ext>
+            </a:extLst>
+          </p:cNvPr>
+          <p:cNvPicPr>
+            <a:picLocks noChangeAspect="1" noChangeArrowheads="1"/>
+          </p:cNvPicPr>
+          <p:nvPr/>
+        </p:nvPicPr>
+        <p:blipFill>
+          <a:blip r:embed="rId4">
+            <a:extLst>
+              <a:ext uri="{28A0092B-C50C-407E-A947-70E740481C1C}">
+                <a14:useLocalDpi xmlns:a14="http://schemas.microsoft.com/office/drawing/2010/main" val="0"/>
+              </a:ext>
+            </a:extLst>
+          </a:blip>
+          <a:srcRect/>
+          <a:stretch>
+            <a:fillRect/>
+          </a:stretch>
+        </p:blipFill>
+        <p:spPr bwMode="auto">
+          <a:xfrm>
+            <a:off x="7680953" y="2651756"/>
+            <a:ext cx="2324100" cy="3429000"/>
+          </a:xfrm>
+          <a:prstGeom prst="rect">
+            <a:avLst/>
+          </a:prstGeom>
+          <a:noFill/>
+          <a:extLst>
+            <a:ext uri="{909E8E84-426E-40DD-AFC4-6F175D3DCCD1}">
+              <a14:hiddenFill xmlns:a14="http://schemas.microsoft.com/office/drawing/2010/main">
+                <a:solidFill>
+                  <a:srgbClr val="FFFFFF"/>
+                </a:solidFill>
+              </a14:hiddenFill>
+            </a:ext>
+          </a:extLst>
+        </p:spPr>
+      </p:pic>
+    </p:spTree>
+    <p:extLst>
+      <p:ext uri="{BB962C8B-B14F-4D97-AF65-F5344CB8AC3E}">
+        <p14:creationId xmlns:p14="http://schemas.microsoft.com/office/powerpoint/2010/main" val="4154273706"/>
       </p:ext>
     </p:extLst>
   </p:cSld>
@@ -10262,24 +11051,6 @@
 </file>
 
 <file path=customXml/item1.xml><?xml version="1.0" encoding="utf-8"?>
-<p:properties xmlns:p="http://schemas.microsoft.com/office/2006/metadata/properties" xmlns:xsi="http://www.w3.org/2001/XMLSchema-instance" xmlns:pc="http://schemas.microsoft.com/office/infopath/2007/PartnerControls">
-  <documentManagement>
-    <Status xmlns="71af3243-3dd4-4a8d-8c0d-dd76da1f02a5">Not started</Status>
-    <MediaServiceKeyPoints xmlns="71af3243-3dd4-4a8d-8c0d-dd76da1f02a5" xsi:nil="true"/>
-  </documentManagement>
-</p:properties>
-</file>
-
-<file path=customXml/item2.xml><?xml version="1.0" encoding="utf-8"?>
-<?mso-contentType ?>
-<FormTemplates xmlns="http://schemas.microsoft.com/sharepoint/v3/contenttype/forms">
-  <Display>DocumentLibraryForm</Display>
-  <Edit>DocumentLibraryForm</Edit>
-  <New>DocumentLibraryForm</New>
-</FormTemplates>
-</file>
-
-<file path=customXml/item3.xml><?xml version="1.0" encoding="utf-8"?>
 <ct:contentTypeSchema xmlns:ct="http://schemas.microsoft.com/office/2006/metadata/contentType" xmlns:ma="http://schemas.microsoft.com/office/2006/metadata/properties/metaAttributes" ct:_="" ma:_="" ma:contentTypeName="Document" ma:contentTypeID="0x01010079F111ED35F8CC479449609E8A0923A6" ma:contentTypeVersion="12" ma:contentTypeDescription="Create a new document." ma:contentTypeScope="" ma:versionID="a410dd7f93c95333ffa1b60ed6adedd1">
   <xsd:schema xmlns:xsd="http://www.w3.org/2001/XMLSchema" xmlns:xs="http://www.w3.org/2001/XMLSchema" xmlns:p="http://schemas.microsoft.com/office/2006/metadata/properties" xmlns:ns2="71af3243-3dd4-4a8d-8c0d-dd76da1f02a5" xmlns:ns3="16c05727-aa75-4e4a-9b5f-8a80a1165891" targetNamespace="http://schemas.microsoft.com/office/2006/metadata/properties" ma:root="true" ma:fieldsID="a936d9baba76aa3866493feff160faab" ns2:_="" ns3:_="">
     <xsd:import namespace="71af3243-3dd4-4a8d-8c0d-dd76da1f02a5"/>
@@ -10500,25 +11271,25 @@
 </ct:contentTypeSchema>
 </file>
 
-<file path=customXml/itemProps1.xml><?xml version="1.0" encoding="utf-8"?>
-<ds:datastoreItem xmlns:ds="http://schemas.openxmlformats.org/officeDocument/2006/customXml" ds:itemID="{4F5B1FD9-3BB6-4DA9-A089-3B68C2323D4F}">
-  <ds:schemaRefs>
-    <ds:schemaRef ds:uri="http://schemas.microsoft.com/office/2006/metadata/properties"/>
-    <ds:schemaRef ds:uri="http://schemas.microsoft.com/office/infopath/2007/PartnerControls"/>
-    <ds:schemaRef ds:uri="71af3243-3dd4-4a8d-8c0d-dd76da1f02a5"/>
-  </ds:schemaRefs>
-</ds:datastoreItem>
+<file path=customXml/item2.xml><?xml version="1.0" encoding="utf-8"?>
+<?mso-contentType ?>
+<FormTemplates xmlns="http://schemas.microsoft.com/sharepoint/v3/contenttype/forms">
+  <Display>DocumentLibraryForm</Display>
+  <Edit>DocumentLibraryForm</Edit>
+  <New>DocumentLibraryForm</New>
+</FormTemplates>
 </file>
 
-<file path=customXml/itemProps2.xml><?xml version="1.0" encoding="utf-8"?>
-<ds:datastoreItem xmlns:ds="http://schemas.openxmlformats.org/officeDocument/2006/customXml" ds:itemID="{638A3B04-B0F3-4C12-A722-52B5CF6D9723}">
-  <ds:schemaRefs>
-    <ds:schemaRef ds:uri="http://schemas.microsoft.com/sharepoint/v3/contenttype/forms"/>
-  </ds:schemaRefs>
-</ds:datastoreItem>
+<file path=customXml/item3.xml><?xml version="1.0" encoding="utf-8"?>
+<p:properties xmlns:p="http://schemas.microsoft.com/office/2006/metadata/properties" xmlns:xsi="http://www.w3.org/2001/XMLSchema-instance" xmlns:pc="http://schemas.microsoft.com/office/infopath/2007/PartnerControls">
+  <documentManagement>
+    <Status xmlns="71af3243-3dd4-4a8d-8c0d-dd76da1f02a5">Not started</Status>
+    <MediaServiceKeyPoints xmlns="71af3243-3dd4-4a8d-8c0d-dd76da1f02a5" xsi:nil="true"/>
+  </documentManagement>
+</p:properties>
 </file>
 
-<file path=customXml/itemProps3.xml><?xml version="1.0" encoding="utf-8"?>
+<file path=customXml/itemProps1.xml><?xml version="1.0" encoding="utf-8"?>
 <ds:datastoreItem xmlns:ds="http://schemas.openxmlformats.org/officeDocument/2006/customXml" ds:itemID="{1747A963-53E0-44AF-AF13-963FE676C682}">
   <ds:schemaRefs>
     <ds:schemaRef ds:uri="http://schemas.microsoft.com/office/2006/metadata/contentType"/>
@@ -10535,4 +11306,22 @@
     <ds:schemaRef ds:uri="http://schemas.microsoft.com/internal/obd"/>
   </ds:schemaRefs>
 </ds:datastoreItem>
+</file>
+
+<file path=customXml/itemProps2.xml><?xml version="1.0" encoding="utf-8"?>
+<ds:datastoreItem xmlns:ds="http://schemas.openxmlformats.org/officeDocument/2006/customXml" ds:itemID="{638A3B04-B0F3-4C12-A722-52B5CF6D9723}">
+  <ds:schemaRefs>
+    <ds:schemaRef ds:uri="http://schemas.microsoft.com/sharepoint/v3/contenttype/forms"/>
+  </ds:schemaRefs>
+</ds:datastoreItem>
+</file>
+
+<file path=customXml/itemProps3.xml><?xml version="1.0" encoding="utf-8"?>
+<ds:datastoreItem xmlns:ds="http://schemas.openxmlformats.org/officeDocument/2006/customXml" ds:itemID="{4F5B1FD9-3BB6-4DA9-A089-3B68C2323D4F}">
+  <ds:schemaRefs>
+    <ds:schemaRef ds:uri="http://schemas.microsoft.com/office/2006/metadata/properties"/>
+    <ds:schemaRef ds:uri="http://schemas.microsoft.com/office/infopath/2007/PartnerControls"/>
+    <ds:schemaRef ds:uri="71af3243-3dd4-4a8d-8c0d-dd76da1f02a5"/>
+  </ds:schemaRefs>
+</ds:datastoreItem>
 </file>